--- a/project-slides.pptx
+++ b/project-slides.pptx
@@ -211,7 +211,7 @@
           <a:p>
             <a:fld id="{AB9A7E2D-9CF6-4339-9487-F6D6F5E63BC0}" type="datetimeFigureOut">
               <a:rPr lang="en-US" smtClean="0"/>
-              <a:t>11/15/17</a:t>
+              <a:t>12/6/17</a:t>
             </a:fld>
             <a:endParaRPr lang="en-US"/>
           </a:p>
@@ -657,6 +657,90 @@
 </p:notes>
 </file>
 
+<file path=ppt/notesSlides/notesSlide11.xml><?xml version="1.0" encoding="utf-8"?>
+<p:notes xmlns:a="http://schemas.openxmlformats.org/drawingml/2006/main" xmlns:r="http://schemas.openxmlformats.org/officeDocument/2006/relationships" xmlns:p="http://schemas.openxmlformats.org/presentationml/2006/main">
+  <p:cSld>
+    <p:spTree>
+      <p:nvGrpSpPr>
+        <p:cNvPr id="1" name=""/>
+        <p:cNvGrpSpPr/>
+        <p:nvPr/>
+      </p:nvGrpSpPr>
+      <p:grpSpPr>
+        <a:xfrm>
+          <a:off x="0" y="0"/>
+          <a:ext cx="0" cy="0"/>
+          <a:chOff x="0" y="0"/>
+          <a:chExt cx="0" cy="0"/>
+        </a:xfrm>
+      </p:grpSpPr>
+      <p:sp>
+        <p:nvSpPr>
+          <p:cNvPr id="2" name="Marcador de imagen de diapositiva 1"/>
+          <p:cNvSpPr>
+            <a:spLocks noGrp="1" noRot="1" noChangeAspect="1"/>
+          </p:cNvSpPr>
+          <p:nvPr>
+            <p:ph type="sldImg"/>
+          </p:nvPr>
+        </p:nvSpPr>
+        <p:spPr/>
+      </p:sp>
+      <p:sp>
+        <p:nvSpPr>
+          <p:cNvPr id="3" name="Marcador de notas 2"/>
+          <p:cNvSpPr>
+            <a:spLocks noGrp="1"/>
+          </p:cNvSpPr>
+          <p:nvPr>
+            <p:ph type="body" idx="1"/>
+          </p:nvPr>
+        </p:nvSpPr>
+        <p:spPr/>
+        <p:txBody>
+          <a:bodyPr/>
+          <a:lstStyle/>
+          <a:p>
+            <a:endParaRPr lang="es-ES_tradnl" dirty="0"/>
+          </a:p>
+        </p:txBody>
+      </p:sp>
+      <p:sp>
+        <p:nvSpPr>
+          <p:cNvPr id="4" name="Marcador de número de diapositiva 3"/>
+          <p:cNvSpPr>
+            <a:spLocks noGrp="1"/>
+          </p:cNvSpPr>
+          <p:nvPr>
+            <p:ph type="sldNum" sz="quarter" idx="10"/>
+          </p:nvPr>
+        </p:nvSpPr>
+        <p:spPr/>
+        <p:txBody>
+          <a:bodyPr/>
+          <a:lstStyle/>
+          <a:p>
+            <a:fld id="{C6F8B9A9-8B0E-41A3-9E75-1BE5D40C7201}" type="slidenum">
+              <a:rPr lang="en-US" smtClean="0"/>
+              <a:t>15</a:t>
+            </a:fld>
+            <a:endParaRPr lang="en-US"/>
+          </a:p>
+        </p:txBody>
+      </p:sp>
+    </p:spTree>
+    <p:extLst>
+      <p:ext uri="{BB962C8B-B14F-4D97-AF65-F5344CB8AC3E}">
+        <p14:creationId xmlns:p14="http://schemas.microsoft.com/office/powerpoint/2010/main" val="1182417542"/>
+      </p:ext>
+    </p:extLst>
+  </p:cSld>
+  <p:clrMapOvr>
+    <a:masterClrMapping/>
+  </p:clrMapOvr>
+</p:notes>
+</file>
+
 <file path=ppt/notesSlides/notesSlide2.xml><?xml version="1.0" encoding="utf-8"?>
 <p:notes xmlns:a="http://schemas.openxmlformats.org/drawingml/2006/main" xmlns:r="http://schemas.openxmlformats.org/officeDocument/2006/relationships" xmlns:p="http://schemas.openxmlformats.org/presentationml/2006/main">
   <p:cSld>
@@ -1526,7 +1610,7 @@
           <a:p>
             <a:fld id="{8F7E07AB-0454-5247-89FE-897BCF13ED6C}" type="datetime1">
               <a:rPr lang="es-ES_tradnl" smtClean="0"/>
-              <a:t>15/11/17</a:t>
+              <a:t>6/12/17</a:t>
             </a:fld>
             <a:endParaRPr lang="en-US"/>
           </a:p>
@@ -1694,7 +1778,7 @@
           <a:p>
             <a:fld id="{F4ECACE6-8464-3144-9F6F-DAE85AC099AC}" type="datetime1">
               <a:rPr lang="es-ES_tradnl" smtClean="0"/>
-              <a:t>15/11/17</a:t>
+              <a:t>6/12/17</a:t>
             </a:fld>
             <a:endParaRPr lang="en-US"/>
           </a:p>
@@ -1872,7 +1956,7 @@
           <a:p>
             <a:fld id="{C5F45B73-94B3-6F49-A753-8094788E8BE1}" type="datetime1">
               <a:rPr lang="es-ES_tradnl" smtClean="0"/>
-              <a:t>15/11/17</a:t>
+              <a:t>6/12/17</a:t>
             </a:fld>
             <a:endParaRPr lang="en-US"/>
           </a:p>
@@ -2040,7 +2124,7 @@
           <a:p>
             <a:fld id="{93294079-0292-1F4F-A911-B73CA3826010}" type="datetime1">
               <a:rPr lang="es-ES_tradnl" smtClean="0"/>
-              <a:t>15/11/17</a:t>
+              <a:t>6/12/17</a:t>
             </a:fld>
             <a:endParaRPr lang="en-US"/>
           </a:p>
@@ -2285,7 +2369,7 @@
           <a:p>
             <a:fld id="{C185713C-57D0-AA46-9A24-C4D487F233A7}" type="datetime1">
               <a:rPr lang="es-ES_tradnl" smtClean="0"/>
-              <a:t>15/11/17</a:t>
+              <a:t>6/12/17</a:t>
             </a:fld>
             <a:endParaRPr lang="en-US"/>
           </a:p>
@@ -2514,7 +2598,7 @@
           <a:p>
             <a:fld id="{8481C90C-95D9-5149-9A6F-54E86A9E4746}" type="datetime1">
               <a:rPr lang="es-ES_tradnl" smtClean="0"/>
-              <a:t>15/11/17</a:t>
+              <a:t>6/12/17</a:t>
             </a:fld>
             <a:endParaRPr lang="en-US"/>
           </a:p>
@@ -2878,7 +2962,7 @@
           <a:p>
             <a:fld id="{0C0F3125-78B0-5F46-A7F8-52BDCBA6D900}" type="datetime1">
               <a:rPr lang="es-ES_tradnl" smtClean="0"/>
-              <a:t>15/11/17</a:t>
+              <a:t>6/12/17</a:t>
             </a:fld>
             <a:endParaRPr lang="en-US"/>
           </a:p>
@@ -2995,7 +3079,7 @@
           <a:p>
             <a:fld id="{BC40D174-08E7-5D48-A219-73577474EAC1}" type="datetime1">
               <a:rPr lang="es-ES_tradnl" smtClean="0"/>
-              <a:t>15/11/17</a:t>
+              <a:t>6/12/17</a:t>
             </a:fld>
             <a:endParaRPr lang="en-US"/>
           </a:p>
@@ -3090,7 +3174,7 @@
           <a:p>
             <a:fld id="{82DB273C-CFB6-CC49-883B-DA414FA6548B}" type="datetime1">
               <a:rPr lang="es-ES_tradnl" smtClean="0"/>
-              <a:t>15/11/17</a:t>
+              <a:t>6/12/17</a:t>
             </a:fld>
             <a:endParaRPr lang="en-US"/>
           </a:p>
@@ -3365,7 +3449,7 @@
           <a:p>
             <a:fld id="{D9EA90E8-C088-FC4A-94DB-85632430DFB5}" type="datetime1">
               <a:rPr lang="es-ES_tradnl" smtClean="0"/>
-              <a:t>15/11/17</a:t>
+              <a:t>6/12/17</a:t>
             </a:fld>
             <a:endParaRPr lang="en-US"/>
           </a:p>
@@ -3617,7 +3701,7 @@
           <a:p>
             <a:fld id="{DEFD1294-82C6-4B43-B82A-9C43D0E64123}" type="datetime1">
               <a:rPr lang="es-ES_tradnl" smtClean="0"/>
-              <a:t>15/11/17</a:t>
+              <a:t>6/12/17</a:t>
             </a:fld>
             <a:endParaRPr lang="en-US"/>
           </a:p>
@@ -3828,7 +3912,7 @@
           <a:p>
             <a:fld id="{5647B73A-5DD3-7345-A64E-CA74D505B87D}" type="datetime1">
               <a:rPr lang="es-ES_tradnl" smtClean="0"/>
-              <a:t>15/11/17</a:t>
+              <a:t>6/12/17</a:t>
             </a:fld>
             <a:endParaRPr lang="en-US"/>
           </a:p>
@@ -5892,14 +5976,14 @@
                 <a:gridCol w="926181">
                   <a:extLst>
                     <a:ext uri="{9D8B030D-6E8A-4147-A177-3AD203B41FA5}">
-                      <a16:colId xmlns:a16="http://schemas.microsoft.com/office/drawing/2014/main" xmlns="" val="1413222059"/>
+                      <a16:colId xmlns="" xmlns:a16="http://schemas.microsoft.com/office/drawing/2014/main" val="1413222059"/>
                     </a:ext>
                   </a:extLst>
                 </a:gridCol>
                 <a:gridCol w="926181">
                   <a:extLst>
                     <a:ext uri="{9D8B030D-6E8A-4147-A177-3AD203B41FA5}">
-                      <a16:colId xmlns:a16="http://schemas.microsoft.com/office/drawing/2014/main" xmlns="" val="2953200447"/>
+                      <a16:colId xmlns="" xmlns:a16="http://schemas.microsoft.com/office/drawing/2014/main" val="2953200447"/>
                     </a:ext>
                   </a:extLst>
                 </a:gridCol>
@@ -5935,7 +6019,7 @@
                 </a:tc>
                 <a:extLst>
                   <a:ext uri="{0D108BD9-81ED-4DB2-BD59-A6C34878D82A}">
-                    <a16:rowId xmlns:a16="http://schemas.microsoft.com/office/drawing/2014/main" xmlns="" val="2196832521"/>
+                    <a16:rowId xmlns="" xmlns:a16="http://schemas.microsoft.com/office/drawing/2014/main" val="2196832521"/>
                   </a:ext>
                 </a:extLst>
               </a:tr>
@@ -5970,7 +6054,7 @@
                 </a:tc>
                 <a:extLst>
                   <a:ext uri="{0D108BD9-81ED-4DB2-BD59-A6C34878D82A}">
-                    <a16:rowId xmlns:a16="http://schemas.microsoft.com/office/drawing/2014/main" xmlns="" val="3667059558"/>
+                    <a16:rowId xmlns="" xmlns:a16="http://schemas.microsoft.com/office/drawing/2014/main" val="3667059558"/>
                   </a:ext>
                 </a:extLst>
               </a:tr>
@@ -6005,7 +6089,7 @@
                 </a:tc>
                 <a:extLst>
                   <a:ext uri="{0D108BD9-81ED-4DB2-BD59-A6C34878D82A}">
-                    <a16:rowId xmlns:a16="http://schemas.microsoft.com/office/drawing/2014/main" xmlns="" val="1661388541"/>
+                    <a16:rowId xmlns="" xmlns:a16="http://schemas.microsoft.com/office/drawing/2014/main" val="1661388541"/>
                   </a:ext>
                 </a:extLst>
               </a:tr>
@@ -6040,7 +6124,7 @@
                 </a:tc>
                 <a:extLst>
                   <a:ext uri="{0D108BD9-81ED-4DB2-BD59-A6C34878D82A}">
-                    <a16:rowId xmlns:a16="http://schemas.microsoft.com/office/drawing/2014/main" xmlns="" val="21141557"/>
+                    <a16:rowId xmlns="" xmlns:a16="http://schemas.microsoft.com/office/drawing/2014/main" val="21141557"/>
                   </a:ext>
                 </a:extLst>
               </a:tr>
@@ -6075,7 +6159,7 @@
                 </a:tc>
                 <a:extLst>
                   <a:ext uri="{0D108BD9-81ED-4DB2-BD59-A6C34878D82A}">
-                    <a16:rowId xmlns:a16="http://schemas.microsoft.com/office/drawing/2014/main" xmlns="" val="3875358527"/>
+                    <a16:rowId xmlns="" xmlns:a16="http://schemas.microsoft.com/office/drawing/2014/main" val="3875358527"/>
                   </a:ext>
                 </a:extLst>
               </a:tr>
@@ -6110,7 +6194,7 @@
                 </a:tc>
                 <a:extLst>
                   <a:ext uri="{0D108BD9-81ED-4DB2-BD59-A6C34878D82A}">
-                    <a16:rowId xmlns:a16="http://schemas.microsoft.com/office/drawing/2014/main" xmlns="" val="1319680841"/>
+                    <a16:rowId xmlns="" xmlns:a16="http://schemas.microsoft.com/office/drawing/2014/main" val="1319680841"/>
                   </a:ext>
                 </a:extLst>
               </a:tr>
@@ -6145,7 +6229,7 @@
                 </a:tc>
                 <a:extLst>
                   <a:ext uri="{0D108BD9-81ED-4DB2-BD59-A6C34878D82A}">
-                    <a16:rowId xmlns:a16="http://schemas.microsoft.com/office/drawing/2014/main" xmlns="" val="2839709082"/>
+                    <a16:rowId xmlns="" xmlns:a16="http://schemas.microsoft.com/office/drawing/2014/main" val="2839709082"/>
                   </a:ext>
                 </a:extLst>
               </a:tr>
@@ -6701,14 +6785,14 @@
                 <a:gridCol w="926181">
                   <a:extLst>
                     <a:ext uri="{9D8B030D-6E8A-4147-A177-3AD203B41FA5}">
-                      <a16:colId xmlns:a16="http://schemas.microsoft.com/office/drawing/2014/main" xmlns="" val="1413222059"/>
+                      <a16:colId xmlns="" xmlns:a16="http://schemas.microsoft.com/office/drawing/2014/main" val="1413222059"/>
                     </a:ext>
                   </a:extLst>
                 </a:gridCol>
                 <a:gridCol w="926181">
                   <a:extLst>
                     <a:ext uri="{9D8B030D-6E8A-4147-A177-3AD203B41FA5}">
-                      <a16:colId xmlns:a16="http://schemas.microsoft.com/office/drawing/2014/main" xmlns="" val="2953200447"/>
+                      <a16:colId xmlns="" xmlns:a16="http://schemas.microsoft.com/office/drawing/2014/main" val="2953200447"/>
                     </a:ext>
                   </a:extLst>
                 </a:gridCol>
@@ -6744,7 +6828,7 @@
                 </a:tc>
                 <a:extLst>
                   <a:ext uri="{0D108BD9-81ED-4DB2-BD59-A6C34878D82A}">
-                    <a16:rowId xmlns:a16="http://schemas.microsoft.com/office/drawing/2014/main" xmlns="" val="2196832521"/>
+                    <a16:rowId xmlns="" xmlns:a16="http://schemas.microsoft.com/office/drawing/2014/main" val="2196832521"/>
                   </a:ext>
                 </a:extLst>
               </a:tr>
@@ -6779,7 +6863,7 @@
                 </a:tc>
                 <a:extLst>
                   <a:ext uri="{0D108BD9-81ED-4DB2-BD59-A6C34878D82A}">
-                    <a16:rowId xmlns:a16="http://schemas.microsoft.com/office/drawing/2014/main" xmlns="" val="3667059558"/>
+                    <a16:rowId xmlns="" xmlns:a16="http://schemas.microsoft.com/office/drawing/2014/main" val="3667059558"/>
                   </a:ext>
                 </a:extLst>
               </a:tr>
@@ -6814,7 +6898,7 @@
                 </a:tc>
                 <a:extLst>
                   <a:ext uri="{0D108BD9-81ED-4DB2-BD59-A6C34878D82A}">
-                    <a16:rowId xmlns:a16="http://schemas.microsoft.com/office/drawing/2014/main" xmlns="" val="1661388541"/>
+                    <a16:rowId xmlns="" xmlns:a16="http://schemas.microsoft.com/office/drawing/2014/main" val="1661388541"/>
                   </a:ext>
                 </a:extLst>
               </a:tr>
@@ -6849,7 +6933,7 @@
                 </a:tc>
                 <a:extLst>
                   <a:ext uri="{0D108BD9-81ED-4DB2-BD59-A6C34878D82A}">
-                    <a16:rowId xmlns:a16="http://schemas.microsoft.com/office/drawing/2014/main" xmlns="" val="21141557"/>
+                    <a16:rowId xmlns="" xmlns:a16="http://schemas.microsoft.com/office/drawing/2014/main" val="21141557"/>
                   </a:ext>
                 </a:extLst>
               </a:tr>
@@ -6884,7 +6968,7 @@
                 </a:tc>
                 <a:extLst>
                   <a:ext uri="{0D108BD9-81ED-4DB2-BD59-A6C34878D82A}">
-                    <a16:rowId xmlns:a16="http://schemas.microsoft.com/office/drawing/2014/main" xmlns="" val="3875358527"/>
+                    <a16:rowId xmlns="" xmlns:a16="http://schemas.microsoft.com/office/drawing/2014/main" val="3875358527"/>
                   </a:ext>
                 </a:extLst>
               </a:tr>
@@ -6919,7 +7003,7 @@
                 </a:tc>
                 <a:extLst>
                   <a:ext uri="{0D108BD9-81ED-4DB2-BD59-A6C34878D82A}">
-                    <a16:rowId xmlns:a16="http://schemas.microsoft.com/office/drawing/2014/main" xmlns="" val="1319680841"/>
+                    <a16:rowId xmlns="" xmlns:a16="http://schemas.microsoft.com/office/drawing/2014/main" val="1319680841"/>
                   </a:ext>
                 </a:extLst>
               </a:tr>
@@ -6954,7 +7038,7 @@
                 </a:tc>
                 <a:extLst>
                   <a:ext uri="{0D108BD9-81ED-4DB2-BD59-A6C34878D82A}">
-                    <a16:rowId xmlns:a16="http://schemas.microsoft.com/office/drawing/2014/main" xmlns="" val="2839709082"/>
+                    <a16:rowId xmlns="" xmlns:a16="http://schemas.microsoft.com/office/drawing/2014/main" val="2839709082"/>
                   </a:ext>
                 </a:extLst>
               </a:tr>
@@ -7405,14 +7489,14 @@
                 <a:gridCol w="926181">
                   <a:extLst>
                     <a:ext uri="{9D8B030D-6E8A-4147-A177-3AD203B41FA5}">
-                      <a16:colId xmlns:a16="http://schemas.microsoft.com/office/drawing/2014/main" xmlns="" val="1413222059"/>
+                      <a16:colId xmlns="" xmlns:a16="http://schemas.microsoft.com/office/drawing/2014/main" val="1413222059"/>
                     </a:ext>
                   </a:extLst>
                 </a:gridCol>
                 <a:gridCol w="926181">
                   <a:extLst>
                     <a:ext uri="{9D8B030D-6E8A-4147-A177-3AD203B41FA5}">
-                      <a16:colId xmlns:a16="http://schemas.microsoft.com/office/drawing/2014/main" xmlns="" val="2953200447"/>
+                      <a16:colId xmlns="" xmlns:a16="http://schemas.microsoft.com/office/drawing/2014/main" val="2953200447"/>
                     </a:ext>
                   </a:extLst>
                 </a:gridCol>
@@ -7448,7 +7532,7 @@
                 </a:tc>
                 <a:extLst>
                   <a:ext uri="{0D108BD9-81ED-4DB2-BD59-A6C34878D82A}">
-                    <a16:rowId xmlns:a16="http://schemas.microsoft.com/office/drawing/2014/main" xmlns="" val="2196832521"/>
+                    <a16:rowId xmlns="" xmlns:a16="http://schemas.microsoft.com/office/drawing/2014/main" val="2196832521"/>
                   </a:ext>
                 </a:extLst>
               </a:tr>
@@ -7483,7 +7567,7 @@
                 </a:tc>
                 <a:extLst>
                   <a:ext uri="{0D108BD9-81ED-4DB2-BD59-A6C34878D82A}">
-                    <a16:rowId xmlns:a16="http://schemas.microsoft.com/office/drawing/2014/main" xmlns="" val="3667059558"/>
+                    <a16:rowId xmlns="" xmlns:a16="http://schemas.microsoft.com/office/drawing/2014/main" val="3667059558"/>
                   </a:ext>
                 </a:extLst>
               </a:tr>
@@ -7518,7 +7602,7 @@
                 </a:tc>
                 <a:extLst>
                   <a:ext uri="{0D108BD9-81ED-4DB2-BD59-A6C34878D82A}">
-                    <a16:rowId xmlns:a16="http://schemas.microsoft.com/office/drawing/2014/main" xmlns="" val="1661388541"/>
+                    <a16:rowId xmlns="" xmlns:a16="http://schemas.microsoft.com/office/drawing/2014/main" val="1661388541"/>
                   </a:ext>
                 </a:extLst>
               </a:tr>
@@ -7553,7 +7637,7 @@
                 </a:tc>
                 <a:extLst>
                   <a:ext uri="{0D108BD9-81ED-4DB2-BD59-A6C34878D82A}">
-                    <a16:rowId xmlns:a16="http://schemas.microsoft.com/office/drawing/2014/main" xmlns="" val="21141557"/>
+                    <a16:rowId xmlns="" xmlns:a16="http://schemas.microsoft.com/office/drawing/2014/main" val="21141557"/>
                   </a:ext>
                 </a:extLst>
               </a:tr>
@@ -7588,7 +7672,7 @@
                 </a:tc>
                 <a:extLst>
                   <a:ext uri="{0D108BD9-81ED-4DB2-BD59-A6C34878D82A}">
-                    <a16:rowId xmlns:a16="http://schemas.microsoft.com/office/drawing/2014/main" xmlns="" val="3875358527"/>
+                    <a16:rowId xmlns="" xmlns:a16="http://schemas.microsoft.com/office/drawing/2014/main" val="3875358527"/>
                   </a:ext>
                 </a:extLst>
               </a:tr>
@@ -7623,7 +7707,7 @@
                 </a:tc>
                 <a:extLst>
                   <a:ext uri="{0D108BD9-81ED-4DB2-BD59-A6C34878D82A}">
-                    <a16:rowId xmlns:a16="http://schemas.microsoft.com/office/drawing/2014/main" xmlns="" val="1319680841"/>
+                    <a16:rowId xmlns="" xmlns:a16="http://schemas.microsoft.com/office/drawing/2014/main" val="1319680841"/>
                   </a:ext>
                 </a:extLst>
               </a:tr>
@@ -7658,7 +7742,7 @@
                 </a:tc>
                 <a:extLst>
                   <a:ext uri="{0D108BD9-81ED-4DB2-BD59-A6C34878D82A}">
-                    <a16:rowId xmlns:a16="http://schemas.microsoft.com/office/drawing/2014/main" xmlns="" val="2839709082"/>
+                    <a16:rowId xmlns="" xmlns:a16="http://schemas.microsoft.com/office/drawing/2014/main" val="2839709082"/>
                   </a:ext>
                 </a:extLst>
               </a:tr>
@@ -9751,14 +9835,14 @@
                 <a:gridCol w="926181">
                   <a:extLst>
                     <a:ext uri="{9D8B030D-6E8A-4147-A177-3AD203B41FA5}">
-                      <a16:colId xmlns:a16="http://schemas.microsoft.com/office/drawing/2014/main" xmlns="" val="1413222059"/>
+                      <a16:colId xmlns="" xmlns:a16="http://schemas.microsoft.com/office/drawing/2014/main" val="1413222059"/>
                     </a:ext>
                   </a:extLst>
                 </a:gridCol>
                 <a:gridCol w="926181">
                   <a:extLst>
                     <a:ext uri="{9D8B030D-6E8A-4147-A177-3AD203B41FA5}">
-                      <a16:colId xmlns:a16="http://schemas.microsoft.com/office/drawing/2014/main" xmlns="" val="2953200447"/>
+                      <a16:colId xmlns="" xmlns:a16="http://schemas.microsoft.com/office/drawing/2014/main" val="2953200447"/>
                     </a:ext>
                   </a:extLst>
                 </a:gridCol>
@@ -9794,7 +9878,7 @@
                 </a:tc>
                 <a:extLst>
                   <a:ext uri="{0D108BD9-81ED-4DB2-BD59-A6C34878D82A}">
-                    <a16:rowId xmlns:a16="http://schemas.microsoft.com/office/drawing/2014/main" xmlns="" val="2196832521"/>
+                    <a16:rowId xmlns="" xmlns:a16="http://schemas.microsoft.com/office/drawing/2014/main" val="2196832521"/>
                   </a:ext>
                 </a:extLst>
               </a:tr>
@@ -9829,7 +9913,7 @@
                 </a:tc>
                 <a:extLst>
                   <a:ext uri="{0D108BD9-81ED-4DB2-BD59-A6C34878D82A}">
-                    <a16:rowId xmlns:a16="http://schemas.microsoft.com/office/drawing/2014/main" xmlns="" val="3667059558"/>
+                    <a16:rowId xmlns="" xmlns:a16="http://schemas.microsoft.com/office/drawing/2014/main" val="3667059558"/>
                   </a:ext>
                 </a:extLst>
               </a:tr>
@@ -9864,7 +9948,7 @@
                 </a:tc>
                 <a:extLst>
                   <a:ext uri="{0D108BD9-81ED-4DB2-BD59-A6C34878D82A}">
-                    <a16:rowId xmlns:a16="http://schemas.microsoft.com/office/drawing/2014/main" xmlns="" val="1661388541"/>
+                    <a16:rowId xmlns="" xmlns:a16="http://schemas.microsoft.com/office/drawing/2014/main" val="1661388541"/>
                   </a:ext>
                 </a:extLst>
               </a:tr>
@@ -9899,7 +9983,7 @@
                 </a:tc>
                 <a:extLst>
                   <a:ext uri="{0D108BD9-81ED-4DB2-BD59-A6C34878D82A}">
-                    <a16:rowId xmlns:a16="http://schemas.microsoft.com/office/drawing/2014/main" xmlns="" val="21141557"/>
+                    <a16:rowId xmlns="" xmlns:a16="http://schemas.microsoft.com/office/drawing/2014/main" val="21141557"/>
                   </a:ext>
                 </a:extLst>
               </a:tr>
@@ -9934,7 +10018,7 @@
                 </a:tc>
                 <a:extLst>
                   <a:ext uri="{0D108BD9-81ED-4DB2-BD59-A6C34878D82A}">
-                    <a16:rowId xmlns:a16="http://schemas.microsoft.com/office/drawing/2014/main" xmlns="" val="3875358527"/>
+                    <a16:rowId xmlns="" xmlns:a16="http://schemas.microsoft.com/office/drawing/2014/main" val="3875358527"/>
                   </a:ext>
                 </a:extLst>
               </a:tr>
@@ -12361,14 +12445,14 @@
                 <a:gridCol w="926181">
                   <a:extLst>
                     <a:ext uri="{9D8B030D-6E8A-4147-A177-3AD203B41FA5}">
-                      <a16:colId xmlns:a16="http://schemas.microsoft.com/office/drawing/2014/main" xmlns="" val="1413222059"/>
+                      <a16:colId xmlns="" xmlns:a16="http://schemas.microsoft.com/office/drawing/2014/main" val="1413222059"/>
                     </a:ext>
                   </a:extLst>
                 </a:gridCol>
                 <a:gridCol w="926181">
                   <a:extLst>
                     <a:ext uri="{9D8B030D-6E8A-4147-A177-3AD203B41FA5}">
-                      <a16:colId xmlns:a16="http://schemas.microsoft.com/office/drawing/2014/main" xmlns="" val="2953200447"/>
+                      <a16:colId xmlns="" xmlns:a16="http://schemas.microsoft.com/office/drawing/2014/main" val="2953200447"/>
                     </a:ext>
                   </a:extLst>
                 </a:gridCol>
@@ -12404,7 +12488,7 @@
                 </a:tc>
                 <a:extLst>
                   <a:ext uri="{0D108BD9-81ED-4DB2-BD59-A6C34878D82A}">
-                    <a16:rowId xmlns:a16="http://schemas.microsoft.com/office/drawing/2014/main" xmlns="" val="2196832521"/>
+                    <a16:rowId xmlns="" xmlns:a16="http://schemas.microsoft.com/office/drawing/2014/main" val="2196832521"/>
                   </a:ext>
                 </a:extLst>
               </a:tr>
@@ -12439,7 +12523,7 @@
                 </a:tc>
                 <a:extLst>
                   <a:ext uri="{0D108BD9-81ED-4DB2-BD59-A6C34878D82A}">
-                    <a16:rowId xmlns:a16="http://schemas.microsoft.com/office/drawing/2014/main" xmlns="" val="3667059558"/>
+                    <a16:rowId xmlns="" xmlns:a16="http://schemas.microsoft.com/office/drawing/2014/main" val="3667059558"/>
                   </a:ext>
                 </a:extLst>
               </a:tr>
@@ -12474,7 +12558,7 @@
                 </a:tc>
                 <a:extLst>
                   <a:ext uri="{0D108BD9-81ED-4DB2-BD59-A6C34878D82A}">
-                    <a16:rowId xmlns:a16="http://schemas.microsoft.com/office/drawing/2014/main" xmlns="" val="1661388541"/>
+                    <a16:rowId xmlns="" xmlns:a16="http://schemas.microsoft.com/office/drawing/2014/main" val="1661388541"/>
                   </a:ext>
                 </a:extLst>
               </a:tr>
@@ -12572,14 +12656,14 @@
                 <a:gridCol w="926181">
                   <a:extLst>
                     <a:ext uri="{9D8B030D-6E8A-4147-A177-3AD203B41FA5}">
-                      <a16:colId xmlns:a16="http://schemas.microsoft.com/office/drawing/2014/main" xmlns="" val="1413222059"/>
+                      <a16:colId xmlns="" xmlns:a16="http://schemas.microsoft.com/office/drawing/2014/main" val="1413222059"/>
                     </a:ext>
                   </a:extLst>
                 </a:gridCol>
                 <a:gridCol w="926181">
                   <a:extLst>
                     <a:ext uri="{9D8B030D-6E8A-4147-A177-3AD203B41FA5}">
-                      <a16:colId xmlns:a16="http://schemas.microsoft.com/office/drawing/2014/main" xmlns="" val="2953200447"/>
+                      <a16:colId xmlns="" xmlns:a16="http://schemas.microsoft.com/office/drawing/2014/main" val="2953200447"/>
                     </a:ext>
                   </a:extLst>
                 </a:gridCol>
@@ -12615,7 +12699,7 @@
                 </a:tc>
                 <a:extLst>
                   <a:ext uri="{0D108BD9-81ED-4DB2-BD59-A6C34878D82A}">
-                    <a16:rowId xmlns:a16="http://schemas.microsoft.com/office/drawing/2014/main" xmlns="" val="2196832521"/>
+                    <a16:rowId xmlns="" xmlns:a16="http://schemas.microsoft.com/office/drawing/2014/main" val="2196832521"/>
                   </a:ext>
                 </a:extLst>
               </a:tr>
@@ -12650,7 +12734,7 @@
                 </a:tc>
                 <a:extLst>
                   <a:ext uri="{0D108BD9-81ED-4DB2-BD59-A6C34878D82A}">
-                    <a16:rowId xmlns:a16="http://schemas.microsoft.com/office/drawing/2014/main" xmlns="" val="3667059558"/>
+                    <a16:rowId xmlns="" xmlns:a16="http://schemas.microsoft.com/office/drawing/2014/main" val="3667059558"/>
                   </a:ext>
                 </a:extLst>
               </a:tr>
@@ -12685,7 +12769,7 @@
                 </a:tc>
                 <a:extLst>
                   <a:ext uri="{0D108BD9-81ED-4DB2-BD59-A6C34878D82A}">
-                    <a16:rowId xmlns:a16="http://schemas.microsoft.com/office/drawing/2014/main" xmlns="" val="1661388541"/>
+                    <a16:rowId xmlns="" xmlns:a16="http://schemas.microsoft.com/office/drawing/2014/main" val="1661388541"/>
                   </a:ext>
                 </a:extLst>
               </a:tr>
@@ -12721,14 +12805,14 @@
                 <a:gridCol w="926181">
                   <a:extLst>
                     <a:ext uri="{9D8B030D-6E8A-4147-A177-3AD203B41FA5}">
-                      <a16:colId xmlns:a16="http://schemas.microsoft.com/office/drawing/2014/main" xmlns="" val="1413222059"/>
+                      <a16:colId xmlns="" xmlns:a16="http://schemas.microsoft.com/office/drawing/2014/main" val="1413222059"/>
                     </a:ext>
                   </a:extLst>
                 </a:gridCol>
                 <a:gridCol w="926181">
                   <a:extLst>
                     <a:ext uri="{9D8B030D-6E8A-4147-A177-3AD203B41FA5}">
-                      <a16:colId xmlns:a16="http://schemas.microsoft.com/office/drawing/2014/main" xmlns="" val="2953200447"/>
+                      <a16:colId xmlns="" xmlns:a16="http://schemas.microsoft.com/office/drawing/2014/main" val="2953200447"/>
                     </a:ext>
                   </a:extLst>
                 </a:gridCol>
@@ -12764,7 +12848,7 @@
                 </a:tc>
                 <a:extLst>
                   <a:ext uri="{0D108BD9-81ED-4DB2-BD59-A6C34878D82A}">
-                    <a16:rowId xmlns:a16="http://schemas.microsoft.com/office/drawing/2014/main" xmlns="" val="2196832521"/>
+                    <a16:rowId xmlns="" xmlns:a16="http://schemas.microsoft.com/office/drawing/2014/main" val="2196832521"/>
                   </a:ext>
                 </a:extLst>
               </a:tr>
@@ -12801,7 +12885,7 @@
                 </a:tc>
                 <a:extLst>
                   <a:ext uri="{0D108BD9-81ED-4DB2-BD59-A6C34878D82A}">
-                    <a16:rowId xmlns:a16="http://schemas.microsoft.com/office/drawing/2014/main" xmlns="" val="3667059558"/>
+                    <a16:rowId xmlns="" xmlns:a16="http://schemas.microsoft.com/office/drawing/2014/main" val="3667059558"/>
                   </a:ext>
                 </a:extLst>
               </a:tr>
@@ -12838,7 +12922,7 @@
                 </a:tc>
                 <a:extLst>
                   <a:ext uri="{0D108BD9-81ED-4DB2-BD59-A6C34878D82A}">
-                    <a16:rowId xmlns:a16="http://schemas.microsoft.com/office/drawing/2014/main" xmlns="" val="1661388541"/>
+                    <a16:rowId xmlns="" xmlns:a16="http://schemas.microsoft.com/office/drawing/2014/main" val="1661388541"/>
                   </a:ext>
                 </a:extLst>
               </a:tr>
@@ -14022,10 +14106,29 @@
             </a:r>
           </a:p>
           <a:p>
-            <a:pPr lvl="2" algn="just"/>
+            <a:pPr lvl="2"/>
             <a:r>
               <a:rPr lang="en-US" sz="2400" b="1" dirty="0" smtClean="0"/>
-              <a:t>Send Function: </a:t>
+              <a:t>Send Function</a:t>
+            </a:r>
+            <a:r>
+              <a:rPr lang="en-US" sz="2400" b="1" dirty="0" smtClean="0"/>
+              <a:t>: </a:t>
+            </a:r>
+            <a:r>
+              <a:rPr lang="en-US" sz="2400" b="1" dirty="0"/>
+              <a:t/>
+            </a:r>
+            <a:br>
+              <a:rPr lang="en-US" sz="2400" b="1" dirty="0"/>
+            </a:br>
+            <a:r>
+              <a:rPr lang="en-US" sz="2400" dirty="0" err="1"/>
+              <a:t>int</a:t>
+            </a:r>
+            <a:r>
+              <a:rPr lang="en-US" sz="2400" dirty="0"/>
+              <a:t> </a:t>
             </a:r>
             <a:r>
               <a:rPr lang="en-US" sz="2400" b="1" dirty="0" err="1" smtClean="0"/>
@@ -14044,8 +14147,12 @@
               <a:t> </a:t>
             </a:r>
             <a:r>
+              <a:rPr lang="en-US" sz="2400" dirty="0" err="1"/>
+              <a:t>my_collect_conn</a:t>
+            </a:r>
+            <a:r>
               <a:rPr lang="en-US" sz="2400" dirty="0"/>
-              <a:t>my conn *c, </a:t>
+              <a:t> *c, </a:t>
             </a:r>
             <a:r>
               <a:rPr lang="en-US" sz="2400" dirty="0" err="1"/>
@@ -14057,36 +14164,51 @@
             </a:r>
             <a:r>
               <a:rPr lang="en-US" sz="2400" dirty="0" err="1"/>
-              <a:t>linkaddr</a:t>
+              <a:t>linkaddr_t</a:t>
             </a:r>
             <a:r>
               <a:rPr lang="en-US" sz="2400" dirty="0"/>
-              <a:t> t *</a:t>
-            </a:r>
-            <a:r>
-              <a:rPr lang="en-US" sz="2400" dirty="0" err="1" smtClean="0"/>
+              <a:t> *</a:t>
+            </a:r>
+            <a:r>
+              <a:rPr lang="en-US" sz="2400" dirty="0" err="1"/>
               <a:t>dest</a:t>
             </a:r>
             <a:r>
               <a:rPr lang="en-US" sz="2400" dirty="0" smtClean="0"/>
-              <a:t>)</a:t>
-            </a:r>
-          </a:p>
-          <a:p>
-            <a:pPr lvl="2" algn="just"/>
+              <a:t>);</a:t>
+            </a:r>
+          </a:p>
+          <a:p>
+            <a:pPr lvl="2"/>
             <a:r>
               <a:rPr lang="en-US" sz="2400" b="1" dirty="0" err="1" smtClean="0"/>
               <a:t>Recv</a:t>
             </a:r>
             <a:r>
               <a:rPr lang="en-US" sz="2400" b="1" dirty="0" smtClean="0"/>
-              <a:t> Callback:</a:t>
+              <a:t> </a:t>
+            </a:r>
+            <a:r>
+              <a:rPr lang="en-US" sz="2400" b="1" dirty="0" smtClean="0"/>
+              <a:t>Callback:</a:t>
             </a:r>
             <a:r>
               <a:rPr lang="en-US" sz="2400" dirty="0" smtClean="0"/>
               <a:t> </a:t>
             </a:r>
             <a:r>
+              <a:rPr lang="en-US" sz="2400" dirty="0"/>
+              <a:t/>
+            </a:r>
+            <a:br>
+              <a:rPr lang="en-US" sz="2400" dirty="0"/>
+            </a:br>
+            <a:r>
+              <a:rPr lang="en-US" sz="2400" dirty="0" smtClean="0"/>
+              <a:t>void </a:t>
+            </a:r>
+            <a:r>
               <a:rPr lang="en-US" sz="2400" b="1" dirty="0" err="1" smtClean="0"/>
               <a:t>sr_recv</a:t>
             </a:r>
@@ -14100,29 +14222,32 @@
             </a:r>
             <a:r>
               <a:rPr lang="en-US" sz="2400" dirty="0" smtClean="0"/>
-              <a:t> my conn *c, </a:t>
-            </a:r>
-            <a:r>
-              <a:rPr lang="en-US" sz="2400" dirty="0" err="1" smtClean="0"/>
-              <a:t>const</a:t>
+              <a:t> </a:t>
+            </a:r>
+            <a:r>
+              <a:rPr lang="en-US" sz="2400" dirty="0" err="1"/>
+              <a:t>my_collect_conn</a:t>
+            </a:r>
+            <a:r>
+              <a:rPr lang="en-US" sz="2400" dirty="0"/>
+              <a:t> </a:t>
             </a:r>
             <a:r>
               <a:rPr lang="en-US" sz="2400" dirty="0" smtClean="0"/>
-              <a:t> </a:t>
-            </a:r>
-            <a:r>
-              <a:rPr lang="en-US" sz="2400" dirty="0" err="1" smtClean="0"/>
-              <a:t>linkaddr</a:t>
+              <a:t>*c, </a:t>
+            </a:r>
+            <a:r>
+              <a:rPr lang="en-US" sz="2400" dirty="0"/>
+              <a:t>uint8_t hops</a:t>
             </a:r>
             <a:r>
               <a:rPr lang="en-US" sz="2400" dirty="0" smtClean="0"/>
-              <a:t> t *from) </a:t>
-            </a:r>
-          </a:p>
-          <a:p>
-            <a:pPr marL="914400" lvl="2" indent="0" algn="just">
-              <a:buNone/>
-            </a:pPr>
+              <a:t>);</a:t>
+            </a:r>
+            <a:endParaRPr lang="en-US" sz="2400" dirty="0"/>
+          </a:p>
+          <a:p>
+            <a:pPr lvl="2"/>
             <a:endParaRPr lang="en-US" dirty="0" smtClean="0">
               <a:latin typeface="Arial" panose="020B0604020202020204" pitchFamily="34" charset="0"/>
               <a:cs typeface="Arial" panose="020B0604020202020204" pitchFamily="34" charset="0"/>
@@ -14135,14 +14260,7 @@
                 <a:latin typeface="Arial" panose="020B0604020202020204" pitchFamily="34" charset="0"/>
                 <a:cs typeface="Arial" panose="020B0604020202020204" pitchFamily="34" charset="0"/>
               </a:rPr>
-              <a:t>The </a:t>
-            </a:r>
-            <a:r>
-              <a:rPr lang="en-US" dirty="0" smtClean="0">
-                <a:latin typeface="Arial" panose="020B0604020202020204" pitchFamily="34" charset="0"/>
-                <a:cs typeface="Arial" panose="020B0604020202020204" pitchFamily="34" charset="0"/>
-              </a:rPr>
-              <a:t>top-level application should use these functions</a:t>
+              <a:t>The top-level application should use these functions</a:t>
             </a:r>
             <a:endParaRPr lang="en-US" dirty="0">
               <a:latin typeface="Arial" panose="020B0604020202020204" pitchFamily="34" charset="0"/>
@@ -15015,21 +15133,7 @@
                 <a:latin typeface="Arial" panose="020B0604020202020204" pitchFamily="34" charset="0"/>
                 <a:cs typeface="Arial" panose="020B0604020202020204" pitchFamily="34" charset="0"/>
               </a:rPr>
-              <a:t>Source specifies the entire </a:t>
-            </a:r>
-            <a:r>
-              <a:rPr lang="en-US" altLang="en-US" dirty="0" smtClean="0">
-                <a:latin typeface="Arial" panose="020B0604020202020204" pitchFamily="34" charset="0"/>
-                <a:cs typeface="Arial" panose="020B0604020202020204" pitchFamily="34" charset="0"/>
-              </a:rPr>
-              <a:t>packet route: </a:t>
-            </a:r>
-            <a:r>
-              <a:rPr lang="en-US" altLang="en-US" dirty="0" smtClean="0">
-                <a:latin typeface="Arial" panose="020B0604020202020204" pitchFamily="34" charset="0"/>
-                <a:cs typeface="Arial" panose="020B0604020202020204" pitchFamily="34" charset="0"/>
-              </a:rPr>
-              <a:t/>
+              <a:t>Source specifies the entire packet route: </a:t>
             </a:r>
             <a:br>
               <a:rPr lang="en-US" altLang="en-US" dirty="0" smtClean="0">
@@ -15351,9 +15455,6 @@
               </a:rPr>
               <a:t>Routing – overview</a:t>
             </a:r>
-            <a:endParaRPr lang="en-US" altLang="en-US" dirty="0">
-              <a:latin typeface="Arial" panose="020B0604020202020204" pitchFamily="34" charset="0"/>
-            </a:endParaRPr>
           </a:p>
         </p:txBody>
       </p:sp>
@@ -19154,14 +19255,14 @@
                 <a:gridCol w="926181">
                   <a:extLst>
                     <a:ext uri="{9D8B030D-6E8A-4147-A177-3AD203B41FA5}">
-                      <a16:colId xmlns:a16="http://schemas.microsoft.com/office/drawing/2014/main" xmlns="" val="1413222059"/>
+                      <a16:colId xmlns="" xmlns:a16="http://schemas.microsoft.com/office/drawing/2014/main" val="1413222059"/>
                     </a:ext>
                   </a:extLst>
                 </a:gridCol>
                 <a:gridCol w="926181">
                   <a:extLst>
                     <a:ext uri="{9D8B030D-6E8A-4147-A177-3AD203B41FA5}">
-                      <a16:colId xmlns:a16="http://schemas.microsoft.com/office/drawing/2014/main" xmlns="" val="2953200447"/>
+                      <a16:colId xmlns="" xmlns:a16="http://schemas.microsoft.com/office/drawing/2014/main" val="2953200447"/>
                     </a:ext>
                   </a:extLst>
                 </a:gridCol>
@@ -19197,7 +19298,7 @@
                 </a:tc>
                 <a:extLst>
                   <a:ext uri="{0D108BD9-81ED-4DB2-BD59-A6C34878D82A}">
-                    <a16:rowId xmlns:a16="http://schemas.microsoft.com/office/drawing/2014/main" xmlns="" val="2196832521"/>
+                    <a16:rowId xmlns="" xmlns:a16="http://schemas.microsoft.com/office/drawing/2014/main" val="2196832521"/>
                   </a:ext>
                 </a:extLst>
               </a:tr>
@@ -19232,7 +19333,7 @@
                 </a:tc>
                 <a:extLst>
                   <a:ext uri="{0D108BD9-81ED-4DB2-BD59-A6C34878D82A}">
-                    <a16:rowId xmlns:a16="http://schemas.microsoft.com/office/drawing/2014/main" xmlns="" val="3875358527"/>
+                    <a16:rowId xmlns="" xmlns:a16="http://schemas.microsoft.com/office/drawing/2014/main" val="3875358527"/>
                   </a:ext>
                 </a:extLst>
               </a:tr>
@@ -21383,14 +21484,14 @@
                 <a:gridCol w="926181">
                   <a:extLst>
                     <a:ext uri="{9D8B030D-6E8A-4147-A177-3AD203B41FA5}">
-                      <a16:colId xmlns:a16="http://schemas.microsoft.com/office/drawing/2014/main" xmlns="" val="1413222059"/>
+                      <a16:colId xmlns="" xmlns:a16="http://schemas.microsoft.com/office/drawing/2014/main" val="1413222059"/>
                     </a:ext>
                   </a:extLst>
                 </a:gridCol>
                 <a:gridCol w="926181">
                   <a:extLst>
                     <a:ext uri="{9D8B030D-6E8A-4147-A177-3AD203B41FA5}">
-                      <a16:colId xmlns:a16="http://schemas.microsoft.com/office/drawing/2014/main" xmlns="" val="2953200447"/>
+                      <a16:colId xmlns="" xmlns:a16="http://schemas.microsoft.com/office/drawing/2014/main" val="2953200447"/>
                     </a:ext>
                   </a:extLst>
                 </a:gridCol>
@@ -21426,7 +21527,7 @@
                 </a:tc>
                 <a:extLst>
                   <a:ext uri="{0D108BD9-81ED-4DB2-BD59-A6C34878D82A}">
-                    <a16:rowId xmlns:a16="http://schemas.microsoft.com/office/drawing/2014/main" xmlns="" val="2196832521"/>
+                    <a16:rowId xmlns="" xmlns:a16="http://schemas.microsoft.com/office/drawing/2014/main" val="2196832521"/>
                   </a:ext>
                 </a:extLst>
               </a:tr>
@@ -21461,7 +21562,7 @@
                 </a:tc>
                 <a:extLst>
                   <a:ext uri="{0D108BD9-81ED-4DB2-BD59-A6C34878D82A}">
-                    <a16:rowId xmlns:a16="http://schemas.microsoft.com/office/drawing/2014/main" xmlns="" val="21141557"/>
+                    <a16:rowId xmlns="" xmlns:a16="http://schemas.microsoft.com/office/drawing/2014/main" val="21141557"/>
                   </a:ext>
                 </a:extLst>
               </a:tr>
@@ -21496,7 +21597,7 @@
                 </a:tc>
                 <a:extLst>
                   <a:ext uri="{0D108BD9-81ED-4DB2-BD59-A6C34878D82A}">
-                    <a16:rowId xmlns:a16="http://schemas.microsoft.com/office/drawing/2014/main" xmlns="" val="3875358527"/>
+                    <a16:rowId xmlns="" xmlns:a16="http://schemas.microsoft.com/office/drawing/2014/main" val="3875358527"/>
                   </a:ext>
                 </a:extLst>
               </a:tr>
@@ -23386,14 +23487,14 @@
                 <a:gridCol w="926181">
                   <a:extLst>
                     <a:ext uri="{9D8B030D-6E8A-4147-A177-3AD203B41FA5}">
-                      <a16:colId xmlns:a16="http://schemas.microsoft.com/office/drawing/2014/main" xmlns="" val="1413222059"/>
+                      <a16:colId xmlns="" xmlns:a16="http://schemas.microsoft.com/office/drawing/2014/main" val="1413222059"/>
                     </a:ext>
                   </a:extLst>
                 </a:gridCol>
                 <a:gridCol w="926181">
                   <a:extLst>
                     <a:ext uri="{9D8B030D-6E8A-4147-A177-3AD203B41FA5}">
-                      <a16:colId xmlns:a16="http://schemas.microsoft.com/office/drawing/2014/main" xmlns="" val="2953200447"/>
+                      <a16:colId xmlns="" xmlns:a16="http://schemas.microsoft.com/office/drawing/2014/main" val="2953200447"/>
                     </a:ext>
                   </a:extLst>
                 </a:gridCol>
@@ -23429,7 +23530,7 @@
                 </a:tc>
                 <a:extLst>
                   <a:ext uri="{0D108BD9-81ED-4DB2-BD59-A6C34878D82A}">
-                    <a16:rowId xmlns:a16="http://schemas.microsoft.com/office/drawing/2014/main" xmlns="" val="2196832521"/>
+                    <a16:rowId xmlns="" xmlns:a16="http://schemas.microsoft.com/office/drawing/2014/main" val="2196832521"/>
                   </a:ext>
                 </a:extLst>
               </a:tr>
@@ -23464,7 +23565,7 @@
                 </a:tc>
                 <a:extLst>
                   <a:ext uri="{0D108BD9-81ED-4DB2-BD59-A6C34878D82A}">
-                    <a16:rowId xmlns:a16="http://schemas.microsoft.com/office/drawing/2014/main" xmlns="" val="1661388541"/>
+                    <a16:rowId xmlns="" xmlns:a16="http://schemas.microsoft.com/office/drawing/2014/main" val="1661388541"/>
                   </a:ext>
                 </a:extLst>
               </a:tr>
@@ -23499,7 +23600,7 @@
                 </a:tc>
                 <a:extLst>
                   <a:ext uri="{0D108BD9-81ED-4DB2-BD59-A6C34878D82A}">
-                    <a16:rowId xmlns:a16="http://schemas.microsoft.com/office/drawing/2014/main" xmlns="" val="21141557"/>
+                    <a16:rowId xmlns="" xmlns:a16="http://schemas.microsoft.com/office/drawing/2014/main" val="21141557"/>
                   </a:ext>
                 </a:extLst>
               </a:tr>
@@ -23534,7 +23635,7 @@
                 </a:tc>
                 <a:extLst>
                   <a:ext uri="{0D108BD9-81ED-4DB2-BD59-A6C34878D82A}">
-                    <a16:rowId xmlns:a16="http://schemas.microsoft.com/office/drawing/2014/main" xmlns="" val="3875358527"/>
+                    <a16:rowId xmlns="" xmlns:a16="http://schemas.microsoft.com/office/drawing/2014/main" val="3875358527"/>
                   </a:ext>
                 </a:extLst>
               </a:tr>
@@ -25361,14 +25462,14 @@
                 <a:gridCol w="926181">
                   <a:extLst>
                     <a:ext uri="{9D8B030D-6E8A-4147-A177-3AD203B41FA5}">
-                      <a16:colId xmlns:a16="http://schemas.microsoft.com/office/drawing/2014/main" xmlns="" val="1413222059"/>
+                      <a16:colId xmlns="" xmlns:a16="http://schemas.microsoft.com/office/drawing/2014/main" val="1413222059"/>
                     </a:ext>
                   </a:extLst>
                 </a:gridCol>
                 <a:gridCol w="926181">
                   <a:extLst>
                     <a:ext uri="{9D8B030D-6E8A-4147-A177-3AD203B41FA5}">
-                      <a16:colId xmlns:a16="http://schemas.microsoft.com/office/drawing/2014/main" xmlns="" val="2953200447"/>
+                      <a16:colId xmlns="" xmlns:a16="http://schemas.microsoft.com/office/drawing/2014/main" val="2953200447"/>
                     </a:ext>
                   </a:extLst>
                 </a:gridCol>
@@ -25404,7 +25505,7 @@
                 </a:tc>
                 <a:extLst>
                   <a:ext uri="{0D108BD9-81ED-4DB2-BD59-A6C34878D82A}">
-                    <a16:rowId xmlns:a16="http://schemas.microsoft.com/office/drawing/2014/main" xmlns="" val="2196832521"/>
+                    <a16:rowId xmlns="" xmlns:a16="http://schemas.microsoft.com/office/drawing/2014/main" val="2196832521"/>
                   </a:ext>
                 </a:extLst>
               </a:tr>
@@ -25439,7 +25540,7 @@
                 </a:tc>
                 <a:extLst>
                   <a:ext uri="{0D108BD9-81ED-4DB2-BD59-A6C34878D82A}">
-                    <a16:rowId xmlns:a16="http://schemas.microsoft.com/office/drawing/2014/main" xmlns="" val="3667059558"/>
+                    <a16:rowId xmlns="" xmlns:a16="http://schemas.microsoft.com/office/drawing/2014/main" val="3667059558"/>
                   </a:ext>
                 </a:extLst>
               </a:tr>
@@ -25474,7 +25575,7 @@
                 </a:tc>
                 <a:extLst>
                   <a:ext uri="{0D108BD9-81ED-4DB2-BD59-A6C34878D82A}">
-                    <a16:rowId xmlns:a16="http://schemas.microsoft.com/office/drawing/2014/main" xmlns="" val="1661388541"/>
+                    <a16:rowId xmlns="" xmlns:a16="http://schemas.microsoft.com/office/drawing/2014/main" val="1661388541"/>
                   </a:ext>
                 </a:extLst>
               </a:tr>
@@ -25509,7 +25610,7 @@
                 </a:tc>
                 <a:extLst>
                   <a:ext uri="{0D108BD9-81ED-4DB2-BD59-A6C34878D82A}">
-                    <a16:rowId xmlns:a16="http://schemas.microsoft.com/office/drawing/2014/main" xmlns="" val="21141557"/>
+                    <a16:rowId xmlns="" xmlns:a16="http://schemas.microsoft.com/office/drawing/2014/main" val="21141557"/>
                   </a:ext>
                 </a:extLst>
               </a:tr>
@@ -25544,7 +25645,7 @@
                 </a:tc>
                 <a:extLst>
                   <a:ext uri="{0D108BD9-81ED-4DB2-BD59-A6C34878D82A}">
-                    <a16:rowId xmlns:a16="http://schemas.microsoft.com/office/drawing/2014/main" xmlns="" val="3875358527"/>
+                    <a16:rowId xmlns="" xmlns:a16="http://schemas.microsoft.com/office/drawing/2014/main" val="3875358527"/>
                   </a:ext>
                 </a:extLst>
               </a:tr>
